--- a/doc/viz/Prepräsentation v3.pptx
+++ b/doc/viz/Prepräsentation v3.pptx
@@ -3293,9 +3293,9 @@
     </dgm:pt>
   </dgm:ptLst>
   <dgm:cxnLst>
-    <dgm:cxn modelId="{34D5B867-E4B7-C449-A467-A456444FBAFF}" srcId="{9DB88A76-B933-A64F-84C4-143F47CFF6AF}" destId="{464918D8-346C-FD47-9DB4-B174CE87CDE6}" srcOrd="2" destOrd="0" parTransId="{058C9E90-EEE6-6A4C-90F1-0E064E55F851}" sibTransId="{ED4C4428-1F9D-1A42-ABB8-9165D2A6C816}"/>
     <dgm:cxn modelId="{8801054C-68DA-C944-8154-09E3153709F2}" srcId="{9DB88A76-B933-A64F-84C4-143F47CFF6AF}" destId="{B3F89B9F-C542-6E48-B53A-10B3071BAA9D}" srcOrd="1" destOrd="0" parTransId="{EDD7AFD5-BD9F-8646-A1B0-6BC56C00E5B7}" sibTransId="{DADFD056-28F8-BA41-991D-E729E2215504}"/>
     <dgm:cxn modelId="{6AD3A34C-C79A-E24F-89E7-4B3AE664C362}" type="presOf" srcId="{1E0E44A8-7E6F-704F-9D4A-6691F3BAA95B}" destId="{EFCF0F91-1415-4594-A5AF-064CC5407971}" srcOrd="0" destOrd="0" presId="urn:microsoft.com/office/officeart/2018/2/layout/IconVerticalSolidList"/>
+    <dgm:cxn modelId="{34D5B867-E4B7-C449-A467-A456444FBAFF}" srcId="{9DB88A76-B933-A64F-84C4-143F47CFF6AF}" destId="{464918D8-346C-FD47-9DB4-B174CE87CDE6}" srcOrd="2" destOrd="0" parTransId="{058C9E90-EEE6-6A4C-90F1-0E064E55F851}" sibTransId="{ED4C4428-1F9D-1A42-ABB8-9165D2A6C816}"/>
     <dgm:cxn modelId="{12D7C186-0CF2-9E4E-B00C-7B990CCCF9E4}" srcId="{9DB88A76-B933-A64F-84C4-143F47CFF6AF}" destId="{EEC88222-9E0B-6F49-A7CC-7A3F920F961E}" srcOrd="0" destOrd="0" parTransId="{6FAB5E0E-9CCB-D44D-901C-AD98EBD4BD74}" sibTransId="{CC58D917-E8D4-0246-88C4-10D2133E1938}"/>
     <dgm:cxn modelId="{6309BB89-0101-394D-A84C-744992031328}" type="presOf" srcId="{B3F89B9F-C542-6E48-B53A-10B3071BAA9D}" destId="{2AFA2F02-A4C5-4676-83BC-A73D4E856C34}" srcOrd="0" destOrd="0" presId="urn:microsoft.com/office/officeart/2018/2/layout/IconVerticalSolidList"/>
     <dgm:cxn modelId="{F6616EAB-1791-CC4A-979C-2C7B782ED55F}" type="presOf" srcId="{9DB88A76-B933-A64F-84C4-143F47CFF6AF}" destId="{FD2D1B7B-8ECD-496F-9931-A2F0D39E650E}" srcOrd="0" destOrd="0" presId="urn:microsoft.com/office/officeart/2018/2/layout/IconVerticalSolidList"/>
@@ -3793,10 +3793,10 @@
     <dgm:cxn modelId="{606FBD10-22FD-1141-BA2B-62B50AB81DB4}" type="presOf" srcId="{15EBC06B-C402-4082-9E26-146DA4F14AF7}" destId="{C9ED8839-4060-0948-ADC1-34005C0A8A8E}" srcOrd="0" destOrd="0" presId="urn:microsoft.com/office/officeart/2005/8/layout/list1"/>
     <dgm:cxn modelId="{BF07251D-57FF-0641-864D-2986DE998924}" type="presOf" srcId="{B8F38B6B-4D6D-4783-9CCE-C7495F9945C6}" destId="{217009ED-6E12-A74C-B03E-DED1043E544A}" srcOrd="0" destOrd="0" presId="urn:microsoft.com/office/officeart/2005/8/layout/list1"/>
     <dgm:cxn modelId="{62F1EF1D-DC99-4703-8B2C-A38798CAD2BF}" srcId="{96FEAA2D-FCCF-4D3C-945E-B7A832E850BE}" destId="{15EBC06B-C402-4082-9E26-146DA4F14AF7}" srcOrd="0" destOrd="0" parTransId="{B71B48E0-D72F-43C6-96BD-D4D9A0C28D85}" sibTransId="{1A2CF426-11D6-4AE4-9504-2F5C1DA06123}"/>
+    <dgm:cxn modelId="{98B6FA59-495D-5045-829D-4AF873F3EC5D}" srcId="{904FE041-929A-437F-B974-8F1D69D285AC}" destId="{7041FE92-D7F1-DD49-BA45-5333FEDCBAA5}" srcOrd="1" destOrd="0" parTransId="{8588895F-C81D-A148-B858-B50C206140D3}" sibTransId="{2AD4B419-7C68-3044-B475-6926391340B6}"/>
     <dgm:cxn modelId="{619F436B-93F5-6641-A89C-F77460BD24E5}" srcId="{904FE041-929A-437F-B974-8F1D69D285AC}" destId="{5B376657-C400-9A49-BD2D-3B9CABF93934}" srcOrd="4" destOrd="0" parTransId="{F358FE09-4FCD-3140-9CEC-BEB91A1C319E}" sibTransId="{30750C70-2CED-F44F-A768-E23FBAC38FA4}"/>
     <dgm:cxn modelId="{54AFB76B-94D3-4D35-AD90-9D8364C6F24D}" srcId="{96FEAA2D-FCCF-4D3C-945E-B7A832E850BE}" destId="{B726875F-34A4-4567-9E4C-DEA5F2A71779}" srcOrd="1" destOrd="0" parTransId="{A267FEE1-B57D-493E-A80A-EFD0F2724433}" sibTransId="{9F897544-DB27-4BB1-80DB-66E218A1AE10}"/>
     <dgm:cxn modelId="{2290436C-2218-854D-A589-5C608BCA9833}" type="presOf" srcId="{5B376657-C400-9A49-BD2D-3B9CABF93934}" destId="{217009ED-6E12-A74C-B03E-DED1043E544A}" srcOrd="0" destOrd="4" presId="urn:microsoft.com/office/officeart/2005/8/layout/list1"/>
-    <dgm:cxn modelId="{98B6FA59-495D-5045-829D-4AF873F3EC5D}" srcId="{904FE041-929A-437F-B974-8F1D69D285AC}" destId="{7041FE92-D7F1-DD49-BA45-5333FEDCBAA5}" srcOrd="1" destOrd="0" parTransId="{8588895F-C81D-A148-B858-B50C206140D3}" sibTransId="{2AD4B419-7C68-3044-B475-6926391340B6}"/>
     <dgm:cxn modelId="{BA9D6988-8EE3-0347-A742-7476E5C14A43}" type="presOf" srcId="{2F54135C-B61C-41CF-BF3B-DA6A00625A65}" destId="{4B2CABB7-5AF0-354C-B3F2-CC97A8AFA1C0}" srcOrd="0" destOrd="0" presId="urn:microsoft.com/office/officeart/2005/8/layout/list1"/>
     <dgm:cxn modelId="{2287C389-C10B-9A4F-92C5-CF2FFFF59738}" type="presOf" srcId="{3F4400B2-AFE6-44A7-9CF5-6834292AC90A}" destId="{217009ED-6E12-A74C-B03E-DED1043E544A}" srcOrd="0" destOrd="3" presId="urn:microsoft.com/office/officeart/2005/8/layout/list1"/>
     <dgm:cxn modelId="{E022C397-3278-134A-A704-1CDD6214539D}" type="presOf" srcId="{96FEAA2D-FCCF-4D3C-945E-B7A832E850BE}" destId="{05BECEE4-DD79-FA4F-B302-C1CAB0DDF607}" srcOrd="0" destOrd="0" presId="urn:microsoft.com/office/officeart/2005/8/layout/list1"/>
@@ -7635,7 +7635,7 @@
               <a:pPr>
                 <a:defRPr/>
               </a:pPr>
-              <a:t>6. Januar 2021</a:t>
+              <a:t>19. Februar 2021</a:t>
             </a:fld>
             <a:endParaRPr lang="de-DE"/>
           </a:p>
@@ -8264,7 +8264,7 @@
               <a:pPr>
                 <a:defRPr/>
               </a:pPr>
-              <a:t>6. Januar 2021</a:t>
+              <a:t>19. Februar 2021</a:t>
             </a:fld>
             <a:endParaRPr lang="de-DE"/>
           </a:p>
@@ -9211,7 +9211,7 @@
               <a:pPr>
                 <a:defRPr/>
               </a:pPr>
-              <a:t>6. Januar 2021</a:t>
+              <a:t>19. Februar 2021</a:t>
             </a:fld>
             <a:endParaRPr lang="de-DE" dirty="0"/>
           </a:p>
@@ -9354,7 +9354,7 @@
               <a:pPr>
                 <a:defRPr/>
               </a:pPr>
-              <a:t>6. Januar 2021</a:t>
+              <a:t>19. Februar 2021</a:t>
             </a:fld>
             <a:endParaRPr lang="de-DE" dirty="0"/>
           </a:p>
@@ -9497,7 +9497,7 @@
               <a:pPr>
                 <a:defRPr/>
               </a:pPr>
-              <a:t>6. Januar 2021</a:t>
+              <a:t>19. Februar 2021</a:t>
             </a:fld>
             <a:endParaRPr lang="de-DE" dirty="0"/>
           </a:p>
@@ -9640,7 +9640,7 @@
               <a:pPr>
                 <a:defRPr/>
               </a:pPr>
-              <a:t>6. Januar 2021</a:t>
+              <a:t>19. Februar 2021</a:t>
             </a:fld>
             <a:endParaRPr lang="de-DE" dirty="0"/>
           </a:p>
@@ -9798,7 +9798,7 @@
               <a:pPr>
                 <a:defRPr/>
               </a:pPr>
-              <a:t>6. Januar 2021</a:t>
+              <a:t>19. Februar 2021</a:t>
             </a:fld>
             <a:endParaRPr lang="de-DE" dirty="0"/>
           </a:p>
@@ -9941,7 +9941,7 @@
               <a:pPr>
                 <a:defRPr/>
               </a:pPr>
-              <a:t>6. Januar 2021</a:t>
+              <a:t>19. Februar 2021</a:t>
             </a:fld>
             <a:endParaRPr lang="de-DE" dirty="0"/>
           </a:p>
@@ -10093,7 +10093,7 @@
               <a:pPr>
                 <a:defRPr/>
               </a:pPr>
-              <a:t>6. Januar 2021</a:t>
+              <a:t>19. Februar 2021</a:t>
             </a:fld>
             <a:endParaRPr lang="de-DE" dirty="0"/>
           </a:p>
@@ -10236,7 +10236,7 @@
               <a:pPr>
                 <a:defRPr/>
               </a:pPr>
-              <a:t>6. Januar 2021</a:t>
+              <a:t>19. Februar 2021</a:t>
             </a:fld>
             <a:endParaRPr lang="de-DE" dirty="0"/>
           </a:p>
@@ -10379,7 +10379,7 @@
               <a:pPr>
                 <a:defRPr/>
               </a:pPr>
-              <a:t>6. Januar 2021</a:t>
+              <a:t>19. Februar 2021</a:t>
             </a:fld>
             <a:endParaRPr lang="de-DE"/>
           </a:p>
@@ -10522,7 +10522,7 @@
               <a:pPr>
                 <a:defRPr/>
               </a:pPr>
-              <a:t>6. Januar 2021</a:t>
+              <a:t>19. Februar 2021</a:t>
             </a:fld>
             <a:endParaRPr lang="de-DE"/>
           </a:p>
@@ -10665,7 +10665,7 @@
               <a:pPr>
                 <a:defRPr/>
               </a:pPr>
-              <a:t>6. Januar 2021</a:t>
+              <a:t>19. Februar 2021</a:t>
             </a:fld>
             <a:endParaRPr lang="de-DE"/>
           </a:p>
@@ -10808,7 +10808,7 @@
               <a:pPr>
                 <a:defRPr/>
               </a:pPr>
-              <a:t>6. Januar 2021</a:t>
+              <a:t>19. Februar 2021</a:t>
             </a:fld>
             <a:endParaRPr lang="de-DE" dirty="0"/>
           </a:p>
@@ -10951,7 +10951,7 @@
               <a:pPr>
                 <a:defRPr/>
               </a:pPr>
-              <a:t>6. Januar 2021</a:t>
+              <a:t>19. Februar 2021</a:t>
             </a:fld>
             <a:endParaRPr lang="de-DE"/>
           </a:p>
@@ -11094,7 +11094,7 @@
               <a:pPr>
                 <a:defRPr/>
               </a:pPr>
-              <a:t>6. Januar 2021</a:t>
+              <a:t>19. Februar 2021</a:t>
             </a:fld>
             <a:endParaRPr lang="de-DE"/>
           </a:p>
@@ -11237,7 +11237,7 @@
               <a:pPr>
                 <a:defRPr/>
               </a:pPr>
-              <a:t>6. Januar 2021</a:t>
+              <a:t>19. Februar 2021</a:t>
             </a:fld>
             <a:endParaRPr lang="de-DE" dirty="0"/>
           </a:p>
@@ -11437,7 +11437,7 @@
               <a:pPr>
                 <a:defRPr/>
               </a:pPr>
-              <a:t>6. Januar 2021</a:t>
+              <a:t>19. Februar 2021</a:t>
             </a:fld>
             <a:endParaRPr lang="de-DE" dirty="0"/>
           </a:p>
@@ -11580,7 +11580,7 @@
               <a:pPr>
                 <a:defRPr/>
               </a:pPr>
-              <a:t>6. Januar 2021</a:t>
+              <a:t>19. Februar 2021</a:t>
             </a:fld>
             <a:endParaRPr lang="de-DE" dirty="0"/>
           </a:p>
@@ -11723,7 +11723,7 @@
               <a:pPr>
                 <a:defRPr/>
               </a:pPr>
-              <a:t>6. Januar 2021</a:t>
+              <a:t>19. Februar 2021</a:t>
             </a:fld>
             <a:endParaRPr lang="de-DE" dirty="0"/>
           </a:p>
@@ -11866,7 +11866,7 @@
               <a:pPr>
                 <a:defRPr/>
               </a:pPr>
-              <a:t>6. Januar 2021</a:t>
+              <a:t>19. Februar 2021</a:t>
             </a:fld>
             <a:endParaRPr lang="de-DE" dirty="0"/>
           </a:p>
@@ -12009,7 +12009,7 @@
               <a:pPr>
                 <a:defRPr/>
               </a:pPr>
-              <a:t>6. Januar 2021</a:t>
+              <a:t>19. Februar 2021</a:t>
             </a:fld>
             <a:endParaRPr lang="de-DE" dirty="0"/>
           </a:p>
@@ -12152,7 +12152,7 @@
               <a:pPr>
                 <a:defRPr/>
               </a:pPr>
-              <a:t>6. Januar 2021</a:t>
+              <a:t>19. Februar 2021</a:t>
             </a:fld>
             <a:endParaRPr lang="de-DE" dirty="0"/>
           </a:p>
@@ -12264,7 +12264,7 @@
             <a:avLst/>
           </a:prstGeom>
           <a:solidFill>
-            <a:schemeClr val="accent1"/>
+            <a:srgbClr val="CC4C03"/>
           </a:solidFill>
           <a:ln>
             <a:noFill/>
@@ -12374,7 +12374,7 @@
             <a:pPr algn="ctr" eaLnBrk="1" hangingPunct="1">
               <a:defRPr/>
             </a:pPr>
-            <a:endParaRPr lang="de-DE" altLang="de-DE"/>
+            <a:endParaRPr lang="de-DE" altLang="de-DE" dirty="0"/>
           </a:p>
         </p:txBody>
       </p:sp>
@@ -12401,7 +12401,7 @@
             <a:avLst/>
           </a:prstGeom>
           <a:solidFill>
-            <a:schemeClr val="accent1"/>
+            <a:srgbClr val="CC4C03"/>
           </a:solidFill>
           <a:ln>
             <a:noFill/>
@@ -12829,7 +12829,7 @@
                 <a:tabLst/>
                 <a:defRPr/>
               </a:pPr>
-              <a:t>06.01.2021</a:t>
+              <a:t>19.02.21</a:t>
             </a:fld>
             <a:r>
               <a:rPr lang="de-DE" altLang="de-DE" sz="1000">
@@ -14426,7 +14426,7 @@
           <a:graphicData uri="http://schemas.openxmlformats.org/presentationml/2006/ole">
             <mc:AlternateContent xmlns:mc="http://schemas.openxmlformats.org/markup-compatibility/2006">
               <mc:Choice xmlns:v="urn:schemas-microsoft-com:vml" Requires="v">
-                <p:oleObj spid="_x0000_s1026" name="think-cell Folie" r:id="rId14" imgW="7772400" imgH="10058400" progId="TCLayout.ActiveDocument.1">
+                <p:oleObj spid="_x0000_s1029" name="think-cell Folie" r:id="rId14" imgW="7772400" imgH="10058400" progId="TCLayout.ActiveDocument.1">
                   <p:embed/>
                 </p:oleObj>
               </mc:Choice>
@@ -14858,7 +14858,7 @@
             <a:avLst/>
           </a:prstGeom>
           <a:solidFill>
-            <a:schemeClr val="accent1"/>
+            <a:srgbClr val="CC4C03"/>
           </a:solidFill>
           <a:ln w="3175">
             <a:solidFill>
@@ -15165,16 +15165,16 @@
                 <a:cs typeface="Tahoma" panose="020B0604030504040204" pitchFamily="34" charset="0"/>
               </a:rPr>
               <a:pPr eaLnBrk="1" hangingPunct="1"/>
-              <a:t>06.01.2021</a:t>
+              <a:t>19.02.21</a:t>
             </a:fld>
             <a:r>
-              <a:rPr lang="de-DE" altLang="de-DE" sz="1000">
+              <a:rPr lang="de-DE" altLang="de-DE" sz="1000" dirty="0">
                 <a:cs typeface="Tahoma" panose="020B0604030504040204" pitchFamily="34" charset="0"/>
               </a:rPr>
               <a:t>  |  Fachbereich Informatik  | </a:t>
             </a:r>
             <a:r>
-              <a:rPr lang="de-DE" sz="1000" kern="1200">
+              <a:rPr lang="de-DE" sz="1000" kern="1200" dirty="0">
                 <a:solidFill>
                   <a:schemeClr val="tx1"/>
                 </a:solidFill>
@@ -15185,7 +15185,7 @@
               <a:t>Parallel </a:t>
             </a:r>
             <a:r>
-              <a:rPr lang="en-US" sz="1000" kern="1200" noProof="0">
+              <a:rPr lang="en-US" sz="1000" kern="1200" noProof="0" dirty="0">
                 <a:solidFill>
                   <a:schemeClr val="tx1"/>
                 </a:solidFill>
@@ -15196,7 +15196,7 @@
               <a:t>Programming</a:t>
             </a:r>
             <a:r>
-              <a:rPr lang="de-DE" sz="1000" kern="1200">
+              <a:rPr lang="de-DE" sz="1000" kern="1200" dirty="0">
                 <a:solidFill>
                   <a:schemeClr val="tx1"/>
                 </a:solidFill>
@@ -15207,13 +15207,13 @@
               <a:t> </a:t>
             </a:r>
             <a:r>
-              <a:rPr lang="de-DE" altLang="de-DE" sz="1000">
+              <a:rPr lang="de-DE" altLang="de-DE" sz="1000" dirty="0">
                 <a:cs typeface="Tahoma" panose="020B0604030504040204" pitchFamily="34" charset="0"/>
               </a:rPr>
               <a:t>| </a:t>
             </a:r>
             <a:r>
-              <a:rPr lang="de-DE" altLang="de-DE" sz="1000" b="0" i="0" u="none" strike="noStrike" kern="1200">
+              <a:rPr lang="de-DE" altLang="de-DE" sz="1000" b="0" i="0" u="none" strike="noStrike" kern="1200" dirty="0">
                 <a:solidFill>
                   <a:schemeClr val="tx1"/>
                 </a:solidFill>
@@ -15225,7 +15225,7 @@
               <a:t>Angelina Horn </a:t>
             </a:r>
             <a:r>
-              <a:rPr lang="de-DE" altLang="de-DE" sz="1000">
+              <a:rPr lang="de-DE" altLang="de-DE" sz="1000" dirty="0">
                 <a:cs typeface="Tahoma" panose="020B0604030504040204" pitchFamily="34" charset="0"/>
               </a:rPr>
               <a:t>|  </a:t>
@@ -15237,13 +15237,13 @@
               <a:pPr eaLnBrk="1" hangingPunct="1"/>
               <a:t>‹Nr.›</a:t>
             </a:fld>
-            <a:endParaRPr lang="de-DE" altLang="de-DE" sz="1000">
+            <a:endParaRPr lang="de-DE" altLang="de-DE" sz="1000" dirty="0">
               <a:cs typeface="Tahoma" panose="020B0604030504040204" pitchFamily="34" charset="0"/>
             </a:endParaRPr>
           </a:p>
           <a:p>
             <a:pPr eaLnBrk="1" hangingPunct="1"/>
-            <a:endParaRPr lang="de-DE" altLang="de-DE" sz="1000">
+            <a:endParaRPr lang="de-DE" altLang="de-DE" sz="1000" dirty="0">
               <a:cs typeface="Tahoma" panose="020B0604030504040204" pitchFamily="34" charset="0"/>
             </a:endParaRPr>
           </a:p>
@@ -27832,6 +27832,11 @@
           </p:cNvGraphicFramePr>
           <p:nvPr>
             <p:ph idx="11"/>
+            <p:extLst>
+              <p:ext uri="{D42A27DB-BD31-4B8C-83A1-F6EECF244321}">
+                <p14:modId xmlns:p14="http://schemas.microsoft.com/office/powerpoint/2010/main" val="4020646735"/>
+              </p:ext>
+            </p:extLst>
           </p:nvPr>
         </p:nvGraphicFramePr>
         <p:xfrm>
@@ -27864,6 +27869,9 @@
           <a:prstGeom prst="downArrow">
             <a:avLst/>
           </a:prstGeom>
+          <a:solidFill>
+            <a:srgbClr val="CC4C03"/>
+          </a:solidFill>
         </p:spPr>
         <p:style>
           <a:lnRef idx="2">
@@ -27915,6 +27923,9 @@
           <a:prstGeom prst="downArrow">
             <a:avLst/>
           </a:prstGeom>
+          <a:solidFill>
+            <a:srgbClr val="CC4C03"/>
+          </a:solidFill>
         </p:spPr>
         <p:style>
           <a:lnRef idx="2">
@@ -27966,6 +27977,9 @@
           <a:prstGeom prst="leftRightArrow">
             <a:avLst/>
           </a:prstGeom>
+          <a:solidFill>
+            <a:srgbClr val="CC4C03"/>
+          </a:solidFill>
         </p:spPr>
         <p:style>
           <a:lnRef idx="2">
@@ -44860,7 +44874,7 @@
 <file path=ppt/theme/theme1.xml><?xml version="1.0" encoding="utf-8"?>
 <a:theme xmlns:a="http://schemas.openxmlformats.org/drawingml/2006/main" name="Präsentationsvorlage_BWL9">
   <a:themeElements>
-    <a:clrScheme name="Benutzerdefiniert 1">
+    <a:clrScheme name="Parallel Programming">
       <a:dk1>
         <a:srgbClr val="000000"/>
       </a:dk1>
@@ -44874,10 +44888,10 @@
         <a:srgbClr val="808080"/>
       </a:lt2>
       <a:accent1>
-        <a:srgbClr val="EC6500"/>
+        <a:srgbClr val="CC4C03"/>
       </a:accent1>
       <a:accent2>
-        <a:srgbClr val="EC6500"/>
+        <a:srgbClr val="CC4C03"/>
       </a:accent2>
       <a:accent3>
         <a:srgbClr val="FFFFFF"/>
